--- a/prework/images/DeepLearningWorkshopArchitecture.pptx
+++ b/prework/images/DeepLearningWorkshopArchitecture.pptx
@@ -11,16 +11,16 @@
   <p:notesSz cx="6858000" cy="9144000"/>
   <p:embeddedFontLst>
     <p:embeddedFont>
-      <p:font typeface="Consolas" panose="020B0609020204030204" pitchFamily="49" charset="0"/>
+      <p:font typeface="Segoe UI Light" panose="020B0502040204020203" pitchFamily="34" charset="0"/>
       <p:regular r:id="rId3"/>
-      <p:bold r:id="rId4"/>
-      <p:italic r:id="rId5"/>
-      <p:boldItalic r:id="rId6"/>
+      <p:italic r:id="rId4"/>
     </p:embeddedFont>
     <p:embeddedFont>
-      <p:font typeface="Segoe UI Light" panose="020B0502040204020203" pitchFamily="34" charset="0"/>
-      <p:regular r:id="rId7"/>
-      <p:italic r:id="rId8"/>
+      <p:font typeface="Consolas" panose="020B0609020204030204" pitchFamily="49" charset="0"/>
+      <p:regular r:id="rId5"/>
+      <p:bold r:id="rId6"/>
+      <p:italic r:id="rId7"/>
+      <p:boldItalic r:id="rId8"/>
     </p:embeddedFont>
     <p:embeddedFont>
       <p:font typeface="Segoe UI Black" panose="020B0A02040204020203" pitchFamily="34" charset="0"/>
@@ -30834,9 +30834,9 @@
         <p:grpSpPr>
           <a:xfrm>
             <a:off x="9352777" y="1410232"/>
-            <a:ext cx="2234623" cy="449556"/>
+            <a:ext cx="2305155" cy="434167"/>
             <a:chOff x="9352777" y="1410232"/>
-            <a:chExt cx="2234623" cy="449556"/>
+            <a:chExt cx="2305155" cy="434167"/>
           </a:xfrm>
         </p:grpSpPr>
         <p:sp>
@@ -30848,7 +30848,7 @@
           <p:spPr>
             <a:xfrm>
               <a:off x="9863851" y="1598178"/>
-              <a:ext cx="1723549" cy="261610"/>
+              <a:ext cx="1794081" cy="246221"/>
             </a:xfrm>
             <a:prstGeom prst="rect">
               <a:avLst/>
@@ -30861,18 +30861,10 @@
             <a:lstStyle/>
             <a:p>
               <a:r>
-                <a:rPr lang="en-US" sz="1100" b="1" dirty="0"/>
-                <a:t>W / </a:t>
+                <a:rPr lang="en-US" sz="1000" b="1" dirty="0"/>
+                <a:t>NC6 w/ NVidia Tesla K80 GPU</a:t>
               </a:r>
-              <a:r>
-                <a:rPr lang="en-US" sz="1100" b="1" dirty="0" err="1"/>
-                <a:t>Nvidia</a:t>
-              </a:r>
-              <a:r>
-                <a:rPr lang="en-US" sz="1100" b="1" dirty="0"/>
-                <a:t> Tesla K80 GPU</a:t>
-              </a:r>
-              <a:endParaRPr lang="en-US" sz="1100" dirty="0"/>
+              <a:endParaRPr lang="en-US" sz="1000" dirty="0"/>
             </a:p>
           </p:txBody>
         </p:sp>
